--- a/presentation/presentation_1.pptx
+++ b/presentation/presentation_1.pptx
@@ -285,7 +285,7 @@
             <a:fld id="{17A39E9D-B438-D94D-AF2A-93757548558C}" type="datetime1">
               <a:rPr lang="nl-NL" altLang="nl-NL"/>
               <a:pPr/>
-              <a:t>11-5-2018</a:t>
+              <a:t>14-5-2018</a:t>
             </a:fld>
             <a:endParaRPr lang="nl-NL" altLang="nl-NL"/>
           </a:p>
@@ -497,7 +497,7 @@
             <a:fld id="{3AA95554-0BC3-EC48-BCE0-DB850053191D}" type="datetime1">
               <a:rPr lang="nl-NL" altLang="nl-NL"/>
               <a:pPr/>
-              <a:t>11-5-2018</a:t>
+              <a:t>14-5-2018</a:t>
             </a:fld>
             <a:endParaRPr lang="nl-NL" altLang="nl-NL"/>
           </a:p>
@@ -865,7 +865,15 @@
           <a:p>
             <a:r>
               <a:rPr lang="en-US" dirty="0"/>
-              <a:t>We’re doing the </a:t>
+              <a:t>Hi, our team name is </a:t>
+            </a:r>
+            <a:r>
+              <a:rPr lang="en-US" dirty="0" err="1"/>
+              <a:t>MLoB</a:t>
+            </a:r>
+            <a:r>
+              <a:rPr lang="en-US" dirty="0"/>
+              <a:t> and we’re Mick and Roel. Our team consists of ourselves, Brian, Dennis and Joost. We’re currently doing the </a:t>
             </a:r>
             <a:r>
               <a:rPr lang="en-US" dirty="0" err="1"/>
@@ -873,7 +881,13 @@
             </a:r>
             <a:r>
               <a:rPr lang="en-US" dirty="0"/>
-              <a:t> Challenge. It’s about image classification for clothing items. </a:t>
+              <a:t> Challenge, which is a challenge where </a:t>
+            </a:r>
+          </a:p>
+          <a:p>
+            <a:r>
+              <a:rPr lang="en-US" dirty="0"/>
+              <a:t>Competitors are tasked to classify images.</a:t>
             </a:r>
           </a:p>
         </p:txBody>
@@ -937,13 +951,7 @@
           <a:p>
             <a:r>
               <a:rPr lang="en-US" dirty="0"/>
-              <a:t>- Dataset imbalance (see image)</a:t>
-            </a:r>
-          </a:p>
-          <a:p>
-            <a:r>
-              <a:rPr lang="en-US" dirty="0"/>
-              <a:t>- Unclear labeling, suspect that there’s some sort of tree structure, but we do not have information about this.</a:t>
+              <a:t>During this presentation we’ll talk about the task distribution, basic data analysis, methods and what we’re going to do for the remaining period of the competition.</a:t>
             </a:r>
           </a:p>
         </p:txBody>
@@ -951,7 +959,7 @@
     </p:spTree>
     <p:extLst>
       <p:ext uri="{BB962C8B-B14F-4D97-AF65-F5344CB8AC3E}">
-        <p14:creationId xmlns:p14="http://schemas.microsoft.com/office/powerpoint/2010/main" val="1584604142"/>
+        <p14:creationId xmlns:p14="http://schemas.microsoft.com/office/powerpoint/2010/main" val="664929277"/>
       </p:ext>
     </p:extLst>
   </p:cSld>
@@ -1005,13 +1013,149 @@
           <a:bodyPr/>
           <a:lstStyle/>
           <a:p>
+            <a:r>
+              <a:rPr lang="en-US" dirty="0"/>
+              <a:t>For this past few weeks, Brian was responsible for developing the F1 Metric, Dennis and Joost focused on testing pre-trained models and Roel and myself did the basic data analysis and developed a batch generator.</a:t>
+            </a:r>
+          </a:p>
+        </p:txBody>
+      </p:sp>
+    </p:spTree>
+    <p:extLst>
+      <p:ext uri="{BB962C8B-B14F-4D97-AF65-F5344CB8AC3E}">
+        <p14:creationId xmlns:p14="http://schemas.microsoft.com/office/powerpoint/2010/main" val="3058893185"/>
+      </p:ext>
+    </p:extLst>
+  </p:cSld>
+  <p:clrMapOvr>
+    <a:masterClrMapping/>
+  </p:clrMapOvr>
+</p:notes>
+</file>
+
+<file path=ppt/notesSlides/notesSlide4.xml><?xml version="1.0" encoding="utf-8"?>
+<p:notes xmlns:a="http://schemas.openxmlformats.org/drawingml/2006/main" xmlns:r="http://schemas.openxmlformats.org/officeDocument/2006/relationships" xmlns:p="http://schemas.openxmlformats.org/presentationml/2006/main">
+  <p:cSld>
+    <p:spTree>
+      <p:nvGrpSpPr>
+        <p:cNvPr id="1" name=""/>
+        <p:cNvGrpSpPr/>
+        <p:nvPr/>
+      </p:nvGrpSpPr>
+      <p:grpSpPr>
+        <a:xfrm>
+          <a:off x="0" y="0"/>
+          <a:ext cx="0" cy="0"/>
+          <a:chOff x="0" y="0"/>
+          <a:chExt cx="0" cy="0"/>
+        </a:xfrm>
+      </p:grpSpPr>
+      <p:sp>
+        <p:nvSpPr>
+          <p:cNvPr id="2" name="Slide Image Placeholder 1"/>
+          <p:cNvSpPr>
+            <a:spLocks noGrp="1" noRot="1" noChangeAspect="1"/>
+          </p:cNvSpPr>
+          <p:nvPr>
+            <p:ph type="sldImg"/>
+          </p:nvPr>
+        </p:nvSpPr>
+        <p:spPr/>
+      </p:sp>
+      <p:sp>
+        <p:nvSpPr>
+          <p:cNvPr id="3" name="Notes Placeholder 2"/>
+          <p:cNvSpPr>
+            <a:spLocks noGrp="1"/>
+          </p:cNvSpPr>
+          <p:nvPr>
+            <p:ph type="body" idx="1"/>
+          </p:nvPr>
+        </p:nvSpPr>
+        <p:spPr/>
+        <p:txBody>
+          <a:bodyPr/>
+          <a:lstStyle/>
+          <a:p>
+            <a:r>
+              <a:rPr lang="en-US" dirty="0"/>
+              <a:t>The total training dataset consists of about 1 million images and the test dataset consists of about 40 thousand images. Looking at figure 1, we can see that the dataset is strongly imbalanced. Furthermore, we also noticed that there’s no clear labeling available. Figure 3 shows Five of the images from label 24 and we cannot see any clear connection. We do know that this is a multi-label problem, </a:t>
+            </a:r>
+            <a:r>
+              <a:rPr lang="en-US" dirty="0" err="1"/>
+              <a:t>dus</a:t>
+            </a:r>
+            <a:r>
+              <a:rPr lang="en-US" dirty="0"/>
+              <a:t> the images that are shown can also be related to other label numbers. However, as the structure of these labels isn’t available, it’s hard for us to interpret. We do suspect that there’s some form of a tree structure, but we do not have any information about this at all.</a:t>
+            </a:r>
+          </a:p>
+        </p:txBody>
+      </p:sp>
+    </p:spTree>
+    <p:extLst>
+      <p:ext uri="{BB962C8B-B14F-4D97-AF65-F5344CB8AC3E}">
+        <p14:creationId xmlns:p14="http://schemas.microsoft.com/office/powerpoint/2010/main" val="1584604142"/>
+      </p:ext>
+    </p:extLst>
+  </p:cSld>
+  <p:clrMapOvr>
+    <a:masterClrMapping/>
+  </p:clrMapOvr>
+</p:notes>
+</file>
+
+<file path=ppt/notesSlides/notesSlide5.xml><?xml version="1.0" encoding="utf-8"?>
+<p:notes xmlns:a="http://schemas.openxmlformats.org/drawingml/2006/main" xmlns:r="http://schemas.openxmlformats.org/officeDocument/2006/relationships" xmlns:p="http://schemas.openxmlformats.org/presentationml/2006/main">
+  <p:cSld>
+    <p:spTree>
+      <p:nvGrpSpPr>
+        <p:cNvPr id="1" name=""/>
+        <p:cNvGrpSpPr/>
+        <p:nvPr/>
+      </p:nvGrpSpPr>
+      <p:grpSpPr>
+        <a:xfrm>
+          <a:off x="0" y="0"/>
+          <a:ext cx="0" cy="0"/>
+          <a:chOff x="0" y="0"/>
+          <a:chExt cx="0" cy="0"/>
+        </a:xfrm>
+      </p:grpSpPr>
+      <p:sp>
+        <p:nvSpPr>
+          <p:cNvPr id="2" name="Slide Image Placeholder 1"/>
+          <p:cNvSpPr>
+            <a:spLocks noGrp="1" noRot="1" noChangeAspect="1"/>
+          </p:cNvSpPr>
+          <p:nvPr>
+            <p:ph type="sldImg"/>
+          </p:nvPr>
+        </p:nvSpPr>
+        <p:spPr/>
+      </p:sp>
+      <p:sp>
+        <p:nvSpPr>
+          <p:cNvPr id="3" name="Notes Placeholder 2"/>
+          <p:cNvSpPr>
+            <a:spLocks noGrp="1"/>
+          </p:cNvSpPr>
+          <p:nvPr>
+            <p:ph type="body" idx="1"/>
+          </p:nvPr>
+        </p:nvSpPr>
+        <p:spPr/>
+        <p:txBody>
+          <a:bodyPr/>
+          <a:lstStyle/>
+          <a:p>
             <a:pPr marL="285750" indent="-285750">
               <a:buFontTx/>
               <a:buChar char="-"/>
             </a:pPr>
             <a:r>
               <a:rPr lang="en-US" dirty="0"/>
-              <a:t>Batch generator because of size dataset.</a:t>
+              <a:t>So far we’ve developed a Batch generator because of size dataset. This generator takes care of the pre processing of the images, which include the dimensions, normalization, horizontal flipping etc.</a:t>
             </a:r>
           </a:p>
           <a:p>
@@ -1021,7 +1165,7 @@
             </a:pPr>
             <a:r>
               <a:rPr lang="en-US" dirty="0"/>
-              <a:t>Pre-trained models because it performs better and our computational powers are limited.</a:t>
+              <a:t>Of course we use convolutional neural networks,  for this challenge we used pre-trained models because it performs better and our computational powers are limited to build a model from scratch. </a:t>
             </a:r>
           </a:p>
           <a:p>
@@ -1031,11 +1175,27 @@
             </a:pPr>
             <a:r>
               <a:rPr lang="en-US" dirty="0"/>
-              <a:t>Freeze last layers </a:t>
+              <a:t>So far we’ve experimented with two pre-trained networks, the inceptionv3 and the </a:t>
             </a:r>
             <a:r>
               <a:rPr lang="en-US" dirty="0" err="1"/>
-              <a:t>etc</a:t>
+              <a:t>resnet</a:t>
+            </a:r>
+            <a:r>
+              <a:rPr lang="en-US" dirty="0"/>
+              <a:t>. For this we keep all </a:t>
+            </a:r>
+            <a:r>
+              <a:rPr lang="en-US"/>
+              <a:t>parameters intact </a:t>
+            </a:r>
+            <a:r>
+              <a:rPr lang="en-US" dirty="0"/>
+              <a:t>but we unfreeze the last layers to decrease complexity but still be able to capture higher </a:t>
+            </a:r>
+            <a:r>
+              <a:rPr lang="en-US"/>
+              <a:t>order complexity.</a:t>
             </a:r>
             <a:endParaRPr lang="en-US" dirty="0"/>
           </a:p>
@@ -1045,6 +1205,76 @@
     <p:extLst>
       <p:ext uri="{BB962C8B-B14F-4D97-AF65-F5344CB8AC3E}">
         <p14:creationId xmlns:p14="http://schemas.microsoft.com/office/powerpoint/2010/main" val="1317351513"/>
+      </p:ext>
+    </p:extLst>
+  </p:cSld>
+  <p:clrMapOvr>
+    <a:masterClrMapping/>
+  </p:clrMapOvr>
+</p:notes>
+</file>
+
+<file path=ppt/notesSlides/notesSlide6.xml><?xml version="1.0" encoding="utf-8"?>
+<p:notes xmlns:a="http://schemas.openxmlformats.org/drawingml/2006/main" xmlns:r="http://schemas.openxmlformats.org/officeDocument/2006/relationships" xmlns:p="http://schemas.openxmlformats.org/presentationml/2006/main">
+  <p:cSld>
+    <p:spTree>
+      <p:nvGrpSpPr>
+        <p:cNvPr id="1" name=""/>
+        <p:cNvGrpSpPr/>
+        <p:nvPr/>
+      </p:nvGrpSpPr>
+      <p:grpSpPr>
+        <a:xfrm>
+          <a:off x="0" y="0"/>
+          <a:ext cx="0" cy="0"/>
+          <a:chOff x="0" y="0"/>
+          <a:chExt cx="0" cy="0"/>
+        </a:xfrm>
+      </p:grpSpPr>
+      <p:sp>
+        <p:nvSpPr>
+          <p:cNvPr id="2" name="Slide Image Placeholder 1"/>
+          <p:cNvSpPr>
+            <a:spLocks noGrp="1" noRot="1" noChangeAspect="1"/>
+          </p:cNvSpPr>
+          <p:nvPr>
+            <p:ph type="sldImg"/>
+          </p:nvPr>
+        </p:nvSpPr>
+        <p:spPr/>
+      </p:sp>
+      <p:sp>
+        <p:nvSpPr>
+          <p:cNvPr id="3" name="Notes Placeholder 2"/>
+          <p:cNvSpPr>
+            <a:spLocks noGrp="1"/>
+          </p:cNvSpPr>
+          <p:nvPr>
+            <p:ph type="body" idx="1"/>
+          </p:nvPr>
+        </p:nvSpPr>
+        <p:spPr/>
+        <p:txBody>
+          <a:bodyPr/>
+          <a:lstStyle/>
+          <a:p>
+            <a:r>
+              <a:rPr lang="en-US" dirty="0"/>
+              <a:t>For the rest of the course we plan to do a multi label loss function, since each sample image contain many zero class labels, models easily overfit to naïve predictions.</a:t>
+            </a:r>
+          </a:p>
+          <a:p>
+            <a:r>
+              <a:rPr lang="en-US" dirty="0"/>
+              <a:t>If we have multiple working models we plan to ensemble these together for a final prediction</a:t>
+            </a:r>
+          </a:p>
+        </p:txBody>
+      </p:sp>
+    </p:spTree>
+    <p:extLst>
+      <p:ext uri="{BB962C8B-B14F-4D97-AF65-F5344CB8AC3E}">
+        <p14:creationId xmlns:p14="http://schemas.microsoft.com/office/powerpoint/2010/main" val="1638414522"/>
       </p:ext>
     </p:extLst>
   </p:cSld>
@@ -1254,7 +1484,7 @@
           <a:p>
             <a:fld id="{9E1ED08B-741D-9E48-95DA-82644AB503BC}" type="datetime1">
               <a:rPr lang="nl-NL" altLang="nl-NL" smtClean="0"/>
-              <a:t>11-5-2018</a:t>
+              <a:t>14-5-2018</a:t>
             </a:fld>
             <a:endParaRPr lang="nl-NL" altLang="nl-NL"/>
           </a:p>
@@ -1588,7 +1818,7 @@
             <a:fld id="{9E1ED08B-741D-9E48-95DA-82644AB503BC}" type="datetime1">
               <a:rPr lang="nl-NL" altLang="nl-NL" smtClean="0"/>
               <a:pPr/>
-              <a:t>11-5-2018</a:t>
+              <a:t>14-5-2018</a:t>
             </a:fld>
             <a:endParaRPr lang="nl-NL" altLang="nl-NL" dirty="0"/>
           </a:p>
@@ -1817,7 +2047,7 @@
           <a:p>
             <a:fld id="{46CB0545-8C00-A544-A88F-C33FBC7A7630}" type="datetime1">
               <a:rPr lang="nl-NL" altLang="nl-NL" smtClean="0"/>
-              <a:t>11-5-2018</a:t>
+              <a:t>14-5-2018</a:t>
             </a:fld>
             <a:endParaRPr lang="nl-NL" altLang="nl-NL" dirty="0"/>
           </a:p>
@@ -2174,7 +2404,7 @@
           <a:p>
             <a:fld id="{46CB0545-8C00-A544-A88F-C33FBC7A7630}" type="datetime1">
               <a:rPr lang="nl-NL" altLang="nl-NL" smtClean="0"/>
-              <a:t>11-5-2018</a:t>
+              <a:t>14-5-2018</a:t>
             </a:fld>
             <a:endParaRPr lang="nl-NL" altLang="nl-NL" dirty="0"/>
           </a:p>
@@ -2393,7 +2623,7 @@
               </a14:hiddenLine>
             </a:ext>
             <a:ext uri="{FAA26D3D-D897-4be2-8F04-BA451C77F1D7}">
-              <ma14:placeholderFlag xmlns="" xmlns:ma14="http://schemas.microsoft.com/office/mac/drawingml/2011/main" val="1"/>
+              <ma14:placeholderFlag xmlns:ma14="http://schemas.microsoft.com/office/mac/drawingml/2011/main" xmlns="" val="1"/>
             </a:ext>
           </a:extLst>
         </p:spPr>
@@ -2454,7 +2684,7 @@
               </a14:hiddenLine>
             </a:ext>
             <a:ext uri="{FAA26D3D-D897-4be2-8F04-BA451C77F1D7}">
-              <ma14:placeholderFlag xmlns="" xmlns:ma14="http://schemas.microsoft.com/office/mac/drawingml/2011/main" val="1"/>
+              <ma14:placeholderFlag xmlns:ma14="http://schemas.microsoft.com/office/mac/drawingml/2011/main" xmlns="" val="1"/>
             </a:ext>
           </a:extLst>
         </p:spPr>
@@ -2633,7 +2863,7 @@
             <a:fld id="{B3873A8C-A209-FC40-86BC-D3E9A671FD81}" type="datetime1">
               <a:rPr lang="nl-NL" altLang="nl-NL" smtClean="0"/>
               <a:pPr/>
-              <a:t>11-5-2018</a:t>
+              <a:t>14-5-2018</a:t>
             </a:fld>
             <a:endParaRPr lang="nl-NL" altLang="nl-NL" dirty="0"/>
           </a:p>
@@ -3124,7 +3354,7 @@
               </a14:hiddenLine>
             </a:ext>
             <a:ext uri="{FAA26D3D-D897-4be2-8F04-BA451C77F1D7}">
-              <ma14:placeholderFlag xmlns="" xmlns:ma14="http://schemas.microsoft.com/office/mac/drawingml/2011/main" val="1"/>
+              <ma14:placeholderFlag xmlns:ma14="http://schemas.microsoft.com/office/mac/drawingml/2011/main" xmlns="" val="1"/>
             </a:ext>
           </a:extLst>
         </p:spPr>
@@ -3185,7 +3415,7 @@
               </a14:hiddenLine>
             </a:ext>
             <a:ext uri="{FAA26D3D-D897-4be2-8F04-BA451C77F1D7}">
-              <ma14:placeholderFlag xmlns="" xmlns:ma14="http://schemas.microsoft.com/office/mac/drawingml/2011/main" val="1"/>
+              <ma14:placeholderFlag xmlns:ma14="http://schemas.microsoft.com/office/mac/drawingml/2011/main" xmlns="" val="1"/>
             </a:ext>
           </a:extLst>
         </p:spPr>
@@ -3366,7 +3596,7 @@
             <a:fld id="{FB5CF2AB-20FF-5442-9E53-3C6EDD7FBCEA}" type="datetime1">
               <a:rPr lang="nl-NL" altLang="nl-NL" smtClean="0"/>
               <a:pPr/>
-              <a:t>11-5-2018</a:t>
+              <a:t>14-5-2018</a:t>
             </a:fld>
             <a:endParaRPr lang="nl-NL" altLang="nl-NL" dirty="0"/>
           </a:p>
@@ -4179,7 +4409,7 @@
         </p:spPr>
         <p:txBody>
           <a:bodyPr>
-            <a:normAutofit fontScale="77500" lnSpcReduction="20000"/>
+            <a:normAutofit fontScale="85000" lnSpcReduction="20000"/>
           </a:bodyPr>
           <a:lstStyle/>
           <a:p>
@@ -4207,13 +4437,6 @@
             <a:r>
               <a:rPr lang="en-US" sz="3000" i="1" dirty="0"/>
               <a:t>Pre-trained models</a:t>
-            </a:r>
-          </a:p>
-          <a:p>
-            <a:pPr lvl="1"/>
-            <a:r>
-              <a:rPr lang="en-US" sz="3000" i="1" dirty="0"/>
-              <a:t>Training/testing protocols</a:t>
             </a:r>
           </a:p>
           <a:p>
@@ -4653,7 +4876,7 @@
           <a:p>
             <a:r>
               <a:rPr lang="en-GB" dirty="0"/>
-              <a:t>Custom multi-label loss function</a:t>
+              <a:t>Address multi-label class issues</a:t>
             </a:r>
           </a:p>
           <a:p>

--- a/presentation/presentation_1.pptx
+++ b/presentation/presentation_1.pptx
@@ -285,7 +285,7 @@
             <a:fld id="{17A39E9D-B438-D94D-AF2A-93757548558C}" type="datetime1">
               <a:rPr lang="nl-NL" altLang="nl-NL"/>
               <a:pPr/>
-              <a:t>14-5-2018</a:t>
+              <a:t>15-5-2018</a:t>
             </a:fld>
             <a:endParaRPr lang="nl-NL" altLang="nl-NL"/>
           </a:p>
@@ -497,7 +497,7 @@
             <a:fld id="{3AA95554-0BC3-EC48-BCE0-DB850053191D}" type="datetime1">
               <a:rPr lang="nl-NL" altLang="nl-NL"/>
               <a:pPr/>
-              <a:t>14-5-2018</a:t>
+              <a:t>15-5-2018</a:t>
             </a:fld>
             <a:endParaRPr lang="nl-NL" altLang="nl-NL"/>
           </a:p>
@@ -1484,7 +1484,7 @@
           <a:p>
             <a:fld id="{9E1ED08B-741D-9E48-95DA-82644AB503BC}" type="datetime1">
               <a:rPr lang="nl-NL" altLang="nl-NL" smtClean="0"/>
-              <a:t>14-5-2018</a:t>
+              <a:t>15-5-2018</a:t>
             </a:fld>
             <a:endParaRPr lang="nl-NL" altLang="nl-NL"/>
           </a:p>
@@ -1818,7 +1818,7 @@
             <a:fld id="{9E1ED08B-741D-9E48-95DA-82644AB503BC}" type="datetime1">
               <a:rPr lang="nl-NL" altLang="nl-NL" smtClean="0"/>
               <a:pPr/>
-              <a:t>14-5-2018</a:t>
+              <a:t>15-5-2018</a:t>
             </a:fld>
             <a:endParaRPr lang="nl-NL" altLang="nl-NL" dirty="0"/>
           </a:p>
@@ -2047,7 +2047,7 @@
           <a:p>
             <a:fld id="{46CB0545-8C00-A544-A88F-C33FBC7A7630}" type="datetime1">
               <a:rPr lang="nl-NL" altLang="nl-NL" smtClean="0"/>
-              <a:t>14-5-2018</a:t>
+              <a:t>15-5-2018</a:t>
             </a:fld>
             <a:endParaRPr lang="nl-NL" altLang="nl-NL" dirty="0"/>
           </a:p>
@@ -2404,7 +2404,7 @@
           <a:p>
             <a:fld id="{46CB0545-8C00-A544-A88F-C33FBC7A7630}" type="datetime1">
               <a:rPr lang="nl-NL" altLang="nl-NL" smtClean="0"/>
-              <a:t>14-5-2018</a:t>
+              <a:t>15-5-2018</a:t>
             </a:fld>
             <a:endParaRPr lang="nl-NL" altLang="nl-NL" dirty="0"/>
           </a:p>
@@ -2623,7 +2623,7 @@
               </a14:hiddenLine>
             </a:ext>
             <a:ext uri="{FAA26D3D-D897-4be2-8F04-BA451C77F1D7}">
-              <ma14:placeholderFlag xmlns:ma14="http://schemas.microsoft.com/office/mac/drawingml/2011/main" xmlns="" val="1"/>
+              <ma14:placeholderFlag xmlns="" xmlns:ma14="http://schemas.microsoft.com/office/mac/drawingml/2011/main" val="1"/>
             </a:ext>
           </a:extLst>
         </p:spPr>
@@ -2684,7 +2684,7 @@
               </a14:hiddenLine>
             </a:ext>
             <a:ext uri="{FAA26D3D-D897-4be2-8F04-BA451C77F1D7}">
-              <ma14:placeholderFlag xmlns:ma14="http://schemas.microsoft.com/office/mac/drawingml/2011/main" xmlns="" val="1"/>
+              <ma14:placeholderFlag xmlns="" xmlns:ma14="http://schemas.microsoft.com/office/mac/drawingml/2011/main" val="1"/>
             </a:ext>
           </a:extLst>
         </p:spPr>
@@ -2863,7 +2863,7 @@
             <a:fld id="{B3873A8C-A209-FC40-86BC-D3E9A671FD81}" type="datetime1">
               <a:rPr lang="nl-NL" altLang="nl-NL" smtClean="0"/>
               <a:pPr/>
-              <a:t>14-5-2018</a:t>
+              <a:t>15-5-2018</a:t>
             </a:fld>
             <a:endParaRPr lang="nl-NL" altLang="nl-NL" dirty="0"/>
           </a:p>
@@ -3354,7 +3354,7 @@
               </a14:hiddenLine>
             </a:ext>
             <a:ext uri="{FAA26D3D-D897-4be2-8F04-BA451C77F1D7}">
-              <ma14:placeholderFlag xmlns:ma14="http://schemas.microsoft.com/office/mac/drawingml/2011/main" xmlns="" val="1"/>
+              <ma14:placeholderFlag xmlns="" xmlns:ma14="http://schemas.microsoft.com/office/mac/drawingml/2011/main" val="1"/>
             </a:ext>
           </a:extLst>
         </p:spPr>
@@ -3415,7 +3415,7 @@
               </a14:hiddenLine>
             </a:ext>
             <a:ext uri="{FAA26D3D-D897-4be2-8F04-BA451C77F1D7}">
-              <ma14:placeholderFlag xmlns:ma14="http://schemas.microsoft.com/office/mac/drawingml/2011/main" xmlns="" val="1"/>
+              <ma14:placeholderFlag xmlns="" xmlns:ma14="http://schemas.microsoft.com/office/mac/drawingml/2011/main" val="1"/>
             </a:ext>
           </a:extLst>
         </p:spPr>
@@ -3596,7 +3596,7 @@
             <a:fld id="{FB5CF2AB-20FF-5442-9E53-3C6EDD7FBCEA}" type="datetime1">
               <a:rPr lang="nl-NL" altLang="nl-NL" smtClean="0"/>
               <a:pPr/>
-              <a:t>14-5-2018</a:t>
+              <a:t>15-5-2018</a:t>
             </a:fld>
             <a:endParaRPr lang="nl-NL" altLang="nl-NL" dirty="0"/>
           </a:p>
@@ -4603,8 +4603,13 @@
           <a:p>
             <a:r>
               <a:rPr lang="en-GB" dirty="0"/>
-              <a:t>Unclear labelling</a:t>
-            </a:r>
+              <a:t>Unclear </a:t>
+            </a:r>
+            <a:r>
+              <a:rPr lang="en-GB" dirty="0" err="1"/>
+              <a:t>labeling</a:t>
+            </a:r>
+            <a:endParaRPr lang="en-GB" dirty="0"/>
           </a:p>
           <a:p>
             <a:endParaRPr lang="en-GB" dirty="0"/>
